--- a/00_Lucru PostgreSQL si R/00b_Instalare si lucru in R si RStudio.pptx
+++ b/00_Lucru PostgreSQL si R/00b_Instalare si lucru in R si RStudio.pptx
@@ -7,11 +7,9 @@
   <p:sldIdLst>
     <p:sldId id="256" r:id="rId2"/>
     <p:sldId id="358" r:id="rId3"/>
-    <p:sldId id="351" r:id="rId4"/>
-    <p:sldId id="362" r:id="rId5"/>
-    <p:sldId id="387" r:id="rId6"/>
-    <p:sldId id="388" r:id="rId7"/>
-    <p:sldId id="445" r:id="rId8"/>
+    <p:sldId id="387" r:id="rId4"/>
+    <p:sldId id="388" r:id="rId5"/>
+    <p:sldId id="445" r:id="rId6"/>
   </p:sldIdLst>
   <p:sldSz cx="9144000" cy="6858000" type="screen4x3"/>
   <p:notesSz cx="6858000" cy="9144000"/>
@@ -188,7 +186,6 @@
 <p1510:revInfo xmlns:a="http://schemas.openxmlformats.org/drawingml/2006/main" xmlns:r="http://schemas.openxmlformats.org/officeDocument/2006/relationships" xmlns:p1510="http://schemas.microsoft.com/office/powerpoint/2015/10/main">
   <p1510:revLst>
     <p1510:client id="{0BB999A3-1855-724C-B58B-9016E5CB9DB8}" v="5" dt="2021-02-14T08:02:33.716"/>
-    <p1510:client id="{E6FBB6F0-3EB5-604C-8E29-DB28CB53CA12}" v="32" dt="2021-02-14T06:33:58.746"/>
   </p1510:revLst>
 </p1510:revInfo>
 </file>
@@ -198,7 +195,7 @@
   <pc:docChgLst>
     <pc:chgData name="Marin Fotache" userId="9233cd031198ef03" providerId="LiveId" clId="{0BB999A3-1855-724C-B58B-9016E5CB9DB8}"/>
     <pc:docChg chg="custSel addSld delSld modSld">
-      <pc:chgData name="Marin Fotache" userId="9233cd031198ef03" providerId="LiveId" clId="{0BB999A3-1855-724C-B58B-9016E5CB9DB8}" dt="2021-02-14T08:02:52.711" v="977" actId="2696"/>
+      <pc:chgData name="Marin Fotache" userId="9233cd031198ef03" providerId="LiveId" clId="{0BB999A3-1855-724C-B58B-9016E5CB9DB8}" dt="2021-02-16T10:43:32.337" v="979" actId="2696"/>
       <pc:docMkLst>
         <pc:docMk/>
       </pc:docMkLst>
@@ -217,8 +214,8 @@
           </ac:spMkLst>
         </pc:spChg>
       </pc:sldChg>
-      <pc:sldChg chg="modSp mod">
-        <pc:chgData name="Marin Fotache" userId="9233cd031198ef03" providerId="LiveId" clId="{0BB999A3-1855-724C-B58B-9016E5CB9DB8}" dt="2021-02-14T07:58:23.211" v="890" actId="20577"/>
+      <pc:sldChg chg="modSp del mod">
+        <pc:chgData name="Marin Fotache" userId="9233cd031198ef03" providerId="LiveId" clId="{0BB999A3-1855-724C-B58B-9016E5CB9DB8}" dt="2021-02-16T10:43:32.337" v="979" actId="2696"/>
         <pc:sldMkLst>
           <pc:docMk/>
           <pc:sldMk cId="2365991784" sldId="351"/>
@@ -274,6 +271,13 @@
         <pc:sldMkLst>
           <pc:docMk/>
           <pc:sldMk cId="4184326140" sldId="361"/>
+        </pc:sldMkLst>
+      </pc:sldChg>
+      <pc:sldChg chg="del">
+        <pc:chgData name="Marin Fotache" userId="9233cd031198ef03" providerId="LiveId" clId="{0BB999A3-1855-724C-B58B-9016E5CB9DB8}" dt="2021-02-15T12:19:06.003" v="978" actId="2696"/>
+        <pc:sldMkLst>
+          <pc:docMk/>
+          <pc:sldMk cId="1881349444" sldId="362"/>
         </pc:sldMkLst>
       </pc:sldChg>
       <pc:sldChg chg="modSp add mod">
@@ -5556,8 +5560,8 @@
         </p:nvSpPr>
         <p:spPr>
           <a:xfrm>
-            <a:off x="304800" y="152400"/>
-            <a:ext cx="8686800" cy="1143000"/>
+            <a:off x="0" y="76200"/>
+            <a:ext cx="9144000" cy="1143000"/>
           </a:xfrm>
         </p:spPr>
         <p:txBody>
@@ -5581,7 +5585,7 @@
                 <a:ea typeface="Arial Unicode MS" panose="020B0604020202020204" pitchFamily="34" charset="-128"/>
                 <a:cs typeface="Arial Unicode MS" panose="020B0604020202020204" pitchFamily="34" charset="-128"/>
               </a:rPr>
-              <a:t> – </a:t>
+              <a:t> </a:t>
             </a:r>
             <a:r>
               <a:rPr lang="en-US" sz="3600" b="1" dirty="0" err="1">
@@ -5589,7 +5593,7 @@
                 <a:ea typeface="Arial Unicode MS" panose="020B0604020202020204" pitchFamily="34" charset="-128"/>
                 <a:cs typeface="Arial Unicode MS" panose="020B0604020202020204" pitchFamily="34" charset="-128"/>
               </a:rPr>
-              <a:t>instalare</a:t>
+              <a:t>pentru</a:t>
             </a:r>
             <a:r>
               <a:rPr lang="en-US" sz="3600" b="1" dirty="0">
@@ -5597,7 +5601,7 @@
                 <a:ea typeface="Arial Unicode MS" panose="020B0604020202020204" pitchFamily="34" charset="-128"/>
                 <a:cs typeface="Arial Unicode MS" panose="020B0604020202020204" pitchFamily="34" charset="-128"/>
               </a:rPr>
-              <a:t>/</a:t>
+              <a:t> </a:t>
             </a:r>
             <a:r>
               <a:rPr lang="en-US" sz="3600" b="1" dirty="0" err="1">
@@ -5605,7 +5609,7 @@
                 <a:ea typeface="Arial Unicode MS" panose="020B0604020202020204" pitchFamily="34" charset="-128"/>
                 <a:cs typeface="Arial Unicode MS" panose="020B0604020202020204" pitchFamily="34" charset="-128"/>
               </a:rPr>
-              <a:t>lucru</a:t>
+              <a:t>instalarea</a:t>
             </a:r>
             <a:r>
               <a:rPr lang="en-US" sz="3600" b="1" dirty="0">
@@ -5613,241 +5617,347 @@
                 <a:ea typeface="Arial Unicode MS" panose="020B0604020202020204" pitchFamily="34" charset="-128"/>
                 <a:cs typeface="Arial Unicode MS" panose="020B0604020202020204" pitchFamily="34" charset="-128"/>
               </a:rPr>
-              <a:t> R/RStudio</a:t>
-            </a:r>
-          </a:p>
-        </p:txBody>
-      </p:sp>
-      <p:sp>
-        <p:nvSpPr>
-          <p:cNvPr id="3" name="Text Placeholder 2"/>
-          <p:cNvSpPr>
-            <a:spLocks noGrp="1"/>
-          </p:cNvSpPr>
-          <p:nvPr>
-            <p:ph type="body" sz="half" idx="1"/>
-          </p:nvPr>
+              <a:t> R &amp; RStudio</a:t>
+            </a:r>
+          </a:p>
+        </p:txBody>
+      </p:sp>
+      <p:sp>
+        <p:nvSpPr>
+          <p:cNvPr id="7" name="Text Placeholder 2"/>
+          <p:cNvSpPr txBox="1">
+            <a:spLocks/>
+          </p:cNvSpPr>
+          <p:nvPr/>
         </p:nvSpPr>
         <p:spPr>
           <a:xfrm>
-            <a:off x="609600" y="1219200"/>
-            <a:ext cx="8534400" cy="5715000"/>
+            <a:off x="685800" y="1295400"/>
+            <a:ext cx="8458200" cy="5562600"/>
           </a:xfrm>
+          <a:prstGeom prst="rect">
+            <a:avLst/>
+          </a:prstGeom>
         </p:spPr>
         <p:txBody>
           <a:bodyPr>
-            <a:normAutofit fontScale="77500" lnSpcReduction="20000"/>
+            <a:normAutofit fontScale="85000" lnSpcReduction="10000"/>
           </a:bodyPr>
-          <a:lstStyle/>
-          <a:p>
-            <a:endParaRPr lang="en" sz="2800" dirty="0">
-              <a:latin typeface="Avenir Light"/>
-              <a:cs typeface="Avenir Light"/>
+          <a:lstStyle>
+            <a:lvl1pPr marL="365760" indent="-283464" algn="l" eaLnBrk="1" latinLnBrk="0" hangingPunct="1">
+              <a:lnSpc>
+                <a:spcPct val="100000"/>
+              </a:lnSpc>
+              <a:spcBef>
+                <a:spcPts val="600"/>
+              </a:spcBef>
+              <a:buClr>
+                <a:schemeClr val="accent1"/>
+              </a:buClr>
+              <a:buSzPct val="80000"/>
+              <a:buFont typeface="Wingdings 2"/>
+              <a:buChar char=""/>
+              <a:defRPr kumimoji="0" sz="3000">
+                <a:latin typeface="+mn-lt"/>
+              </a:defRPr>
+            </a:lvl1pPr>
+            <a:lvl2pPr marL="640080" lvl="1" indent="-237744" algn="l" eaLnBrk="1" latinLnBrk="0" hangingPunct="1">
+              <a:lnSpc>
+                <a:spcPct val="100000"/>
+              </a:lnSpc>
+              <a:spcBef>
+                <a:spcPts val="550"/>
+              </a:spcBef>
+              <a:buClr>
+                <a:schemeClr val="accent1"/>
+              </a:buClr>
+              <a:buFont typeface="Verdana"/>
+              <a:buChar char="◦"/>
+              <a:defRPr kumimoji="0" sz="2600">
+                <a:latin typeface="+mn-lt"/>
+              </a:defRPr>
+            </a:lvl2pPr>
+            <a:lvl3pPr marL="886968" indent="-228600" algn="l" eaLnBrk="1" latinLnBrk="0" hangingPunct="1">
+              <a:lnSpc>
+                <a:spcPct val="100000"/>
+              </a:lnSpc>
+              <a:buClr>
+                <a:schemeClr val="accent2"/>
+              </a:buClr>
+              <a:buFont typeface="Wingdings 2"/>
+              <a:buChar char=""/>
+              <a:defRPr kumimoji="0" sz="2400">
+                <a:latin typeface="+mn-lt"/>
+              </a:defRPr>
+            </a:lvl3pPr>
+            <a:lvl4pPr marL="1097280" indent="-173736" algn="l" eaLnBrk="1" latinLnBrk="0" hangingPunct="1">
+              <a:lnSpc>
+                <a:spcPct val="100000"/>
+              </a:lnSpc>
+              <a:buClr>
+                <a:schemeClr val="accent3"/>
+              </a:buClr>
+              <a:buFont typeface="Wingdings 2"/>
+              <a:buChar char=""/>
+              <a:defRPr kumimoji="0" sz="2000">
+                <a:latin typeface="+mn-lt"/>
+              </a:defRPr>
+            </a:lvl4pPr>
+            <a:lvl5pPr marL="1298448" indent="-182880" algn="l" eaLnBrk="1" latinLnBrk="0" hangingPunct="1">
+              <a:lnSpc>
+                <a:spcPct val="100000"/>
+              </a:lnSpc>
+              <a:buClr>
+                <a:schemeClr val="accent4"/>
+              </a:buClr>
+              <a:buFont typeface="Wingdings 2"/>
+              <a:buChar char=""/>
+              <a:defRPr kumimoji="0" sz="2000">
+                <a:latin typeface="+mn-lt"/>
+              </a:defRPr>
+            </a:lvl5pPr>
+            <a:lvl6pPr marL="1508760" indent="-182880">
+              <a:lnSpc>
+                <a:spcPct val="100000"/>
+              </a:lnSpc>
+              <a:spcBef>
+                <a:spcPct val="20000"/>
+              </a:spcBef>
+              <a:buClr>
+                <a:schemeClr val="accent5"/>
+              </a:buClr>
+              <a:buFont typeface="Wingdings 2"/>
+              <a:buChar char=""/>
+              <a:defRPr kumimoji="0" sz="2000">
+                <a:latin typeface="+mn-lt"/>
+              </a:defRPr>
+            </a:lvl6pPr>
+            <a:lvl7pPr marL="1719072" indent="-182880">
+              <a:lnSpc>
+                <a:spcPct val="100000"/>
+              </a:lnSpc>
+              <a:spcBef>
+                <a:spcPct val="20000"/>
+              </a:spcBef>
+              <a:buClr>
+                <a:schemeClr val="accent6"/>
+              </a:buClr>
+              <a:buFont typeface="Wingdings 2"/>
+              <a:buChar char=""/>
+              <a:defRPr kumimoji="0" sz="2000">
+                <a:latin typeface="+mn-lt"/>
+              </a:defRPr>
+            </a:lvl7pPr>
+            <a:lvl8pPr marL="1920240" indent="-182880">
+              <a:lnSpc>
+                <a:spcPct val="100000"/>
+              </a:lnSpc>
+              <a:spcBef>
+                <a:spcPct val="20000"/>
+              </a:spcBef>
+              <a:buClr>
+                <a:schemeClr val="accent6"/>
+              </a:buClr>
+              <a:buFont typeface="Wingdings 2"/>
+              <a:buChar char=""/>
+              <a:defRPr kumimoji="0" sz="2000">
+                <a:latin typeface="+mn-lt"/>
+              </a:defRPr>
+            </a:lvl8pPr>
+            <a:lvl9pPr marL="2130552" indent="-182880">
+              <a:lnSpc>
+                <a:spcPct val="100000"/>
+              </a:lnSpc>
+              <a:spcBef>
+                <a:spcPct val="20000"/>
+              </a:spcBef>
+              <a:buClr>
+                <a:schemeClr val="accent6"/>
+              </a:buClr>
+              <a:buFont typeface="Wingdings 2"/>
+              <a:buChar char=""/>
+              <a:defRPr kumimoji="0" sz="2000">
+                <a:latin typeface="+mn-lt"/>
+              </a:defRPr>
+            </a:lvl9pPr>
+            <a:extLst/>
+          </a:lstStyle>
+          <a:p>
+            <a:r>
+              <a:rPr lang="en-US" dirty="0">
+                <a:latin typeface="Avenir Medium"/>
+                <a:cs typeface="Avenir Medium"/>
+              </a:rPr>
+              <a:t>Installing R and RStudio on Windows 10 (2020-3:20)</a:t>
+            </a:r>
+          </a:p>
+          <a:p>
+            <a:pPr marL="82296" indent="0">
+              <a:buNone/>
+            </a:pPr>
+            <a:r>
+              <a:rPr lang="en-US" dirty="0">
+                <a:latin typeface="Avenir Medium"/>
+                <a:cs typeface="Avenir Medium"/>
+                <a:hlinkClick r:id="rId2"/>
+              </a:rPr>
+              <a:t>https://www.youtube.com/watch?v=VLWaED9jTiA</a:t>
+            </a:r>
+            <a:endParaRPr lang="en-US" dirty="0">
+              <a:latin typeface="Avenir Medium"/>
+              <a:cs typeface="Avenir Medium"/>
             </a:endParaRPr>
           </a:p>
           <a:p>
-            <a:r>
-              <a:rPr lang="en-US" sz="2800" dirty="0">
-                <a:latin typeface="Avenir Light"/>
-                <a:cs typeface="Avenir Light"/>
-              </a:rPr>
-              <a:t>PostgreSQL Tutorial (PostgreSQL12):</a:t>
-            </a:r>
-          </a:p>
-          <a:p>
             <a:pPr marL="82296" indent="0">
               <a:buNone/>
             </a:pPr>
-            <a:r>
-              <a:rPr lang="en-US" sz="2800" dirty="0">
-                <a:latin typeface="Avenir Light"/>
-                <a:cs typeface="Avenir Light"/>
-                <a:hlinkClick r:id="rId2"/>
-              </a:rPr>
-              <a:t>http://www.postgresqltutorial.com/install-postgresql/</a:t>
-            </a:r>
-            <a:endParaRPr lang="en-US" sz="2800" dirty="0">
-              <a:latin typeface="Avenir Light"/>
-              <a:cs typeface="Avenir Light"/>
+            <a:endParaRPr lang="en-US" dirty="0">
+              <a:latin typeface="Avenir Medium"/>
+              <a:cs typeface="Avenir Medium"/>
             </a:endParaRPr>
           </a:p>
           <a:p>
-            <a:endParaRPr lang="en" sz="1200" dirty="0">
-              <a:latin typeface="Avenir Light"/>
-              <a:cs typeface="Avenir Light"/>
+            <a:r>
+              <a:rPr lang="en-US" sz="3100" dirty="0">
+                <a:latin typeface="Avenir Medium"/>
+              </a:rPr>
+              <a:t>How to install </a:t>
+            </a:r>
+            <a:r>
+              <a:rPr lang="en-US" sz="3100" dirty="0" err="1">
+                <a:latin typeface="Avenir Medium"/>
+              </a:rPr>
+              <a:t>Rstudio</a:t>
+            </a:r>
+            <a:r>
+              <a:rPr lang="en-US" sz="3100" dirty="0">
+                <a:latin typeface="Avenir Medium"/>
+              </a:rPr>
+              <a:t> on Windows 10 (2019-2min)</a:t>
+            </a:r>
+          </a:p>
+          <a:p>
+            <a:pPr marL="82296" indent="0">
+              <a:buNone/>
+            </a:pPr>
+            <a:r>
+              <a:rPr lang="en-US" dirty="0">
+                <a:latin typeface="Avenir Medium"/>
+                <a:cs typeface="Avenir Medium"/>
+                <a:hlinkClick r:id="rId3"/>
+              </a:rPr>
+              <a:t>https://www.youtube.com/watch?v=9Jo9lJFOf9E</a:t>
+            </a:r>
+            <a:endParaRPr lang="en-US" dirty="0">
+              <a:latin typeface="Avenir Medium"/>
+              <a:cs typeface="Avenir Medium"/>
             </a:endParaRPr>
           </a:p>
           <a:p>
-            <a:r>
-              <a:rPr lang="en-GB" sz="2800" dirty="0">
-                <a:latin typeface="Avenir Light"/>
-                <a:cs typeface="Avenir Light"/>
-              </a:rPr>
-              <a:t>How to Install and Setup PostgreSQL on Windows 10 (2020)</a:t>
-            </a:r>
-          </a:p>
-          <a:p>
             <a:pPr marL="82296" indent="0">
               <a:buNone/>
             </a:pPr>
-            <a:r>
-              <a:rPr lang="en-GB" sz="2800" dirty="0">
-                <a:latin typeface="Avenir Light"/>
-                <a:cs typeface="Avenir Light"/>
-                <a:hlinkClick r:id="rId3"/>
-              </a:rPr>
-              <a:t>https://www.youtube.com/watch?v=RAFZleZYxsc</a:t>
-            </a:r>
-            <a:endParaRPr lang="en-GB" sz="2800" dirty="0">
-              <a:latin typeface="Avenir Light"/>
-              <a:cs typeface="Avenir Light"/>
+            <a:endParaRPr lang="en-US" dirty="0">
+              <a:latin typeface="Avenir Medium"/>
+              <a:cs typeface="Avenir Medium"/>
             </a:endParaRPr>
           </a:p>
           <a:p>
-            <a:endParaRPr lang="en" sz="1200" dirty="0">
-              <a:latin typeface="Avenir Light"/>
-              <a:cs typeface="Avenir Light"/>
+            <a:r>
+              <a:rPr lang="en-US" dirty="0">
+                <a:latin typeface="Avenir Medium"/>
+                <a:cs typeface="Avenir Medium"/>
+              </a:rPr>
+              <a:t>How to install R and install R Studio. How to use R studio | R programming for beginners (2019 – 7:36)</a:t>
+            </a:r>
+          </a:p>
+          <a:p>
+            <a:pPr marL="82296" indent="0">
+              <a:buNone/>
+            </a:pPr>
+            <a:r>
+              <a:rPr lang="en-US" dirty="0">
+                <a:latin typeface="Avenir Medium"/>
+                <a:cs typeface="Avenir Medium"/>
+                <a:hlinkClick r:id="rId4"/>
+              </a:rPr>
+              <a:t>https://www.youtube.com/watch?v=orjLGFmx6l4</a:t>
+            </a:r>
+            <a:endParaRPr lang="en-US" dirty="0">
+              <a:latin typeface="Avenir Medium"/>
+              <a:cs typeface="Avenir Medium"/>
             </a:endParaRPr>
           </a:p>
           <a:p>
-            <a:r>
-              <a:rPr lang="en-GB" sz="2800" dirty="0">
-                <a:latin typeface="Avenir Light"/>
-                <a:cs typeface="Avenir Light"/>
-              </a:rPr>
-              <a:t>Install PostgreSQL database on Windows in 2020</a:t>
-            </a:r>
-          </a:p>
-          <a:p>
             <a:pPr marL="82296" indent="0">
               <a:buNone/>
             </a:pPr>
-            <a:r>
-              <a:rPr lang="en-GB" sz="2800" dirty="0">
-                <a:latin typeface="Avenir Light"/>
-                <a:cs typeface="Avenir Light"/>
-                <a:hlinkClick r:id="rId4"/>
-              </a:rPr>
-              <a:t>https://www.youtube.com/watch?v=nlsaI4NxTxs</a:t>
-            </a:r>
-            <a:endParaRPr lang="en-GB" sz="2800" dirty="0">
-              <a:latin typeface="Avenir Light"/>
-              <a:cs typeface="Avenir Light"/>
+            <a:endParaRPr lang="en-US" dirty="0">
+              <a:latin typeface="Avenir Medium"/>
+              <a:cs typeface="Avenir Medium"/>
             </a:endParaRPr>
           </a:p>
           <a:p>
+            <a:r>
+              <a:rPr lang="en-US" dirty="0">
+                <a:latin typeface="Avenir Medium"/>
+                <a:cs typeface="Avenir Medium"/>
+              </a:rPr>
+              <a:t>How to Download and Install R and R Studio (Best Version - 2020) </a:t>
+            </a:r>
+          </a:p>
+          <a:p>
             <a:pPr marL="82296" indent="0">
               <a:buNone/>
             </a:pPr>
-            <a:endParaRPr lang="en" sz="1100" dirty="0">
-              <a:latin typeface="Avenir Light"/>
-              <a:cs typeface="Avenir Light"/>
+            <a:r>
+              <a:rPr lang="en-US" dirty="0">
+                <a:latin typeface="Avenir Medium"/>
+                <a:cs typeface="Avenir Medium"/>
+                <a:hlinkClick r:id="rId5"/>
+              </a:rPr>
+              <a:t>https://www.youtube.com/watch?v=by5HyJX6H1I</a:t>
+            </a:r>
+            <a:endParaRPr lang="en-US" dirty="0">
+              <a:latin typeface="Avenir Medium"/>
+              <a:cs typeface="Avenir Medium"/>
             </a:endParaRPr>
           </a:p>
           <a:p>
-            <a:r>
-              <a:rPr lang="en" sz="2800" dirty="0">
-                <a:latin typeface="Avenir Light"/>
-                <a:cs typeface="Avenir Light"/>
-              </a:rPr>
-              <a:t>Installing PostgreSQL on Windows and Mac OS X (2019) </a:t>
-            </a:r>
-            <a:r>
-              <a:rPr lang="en-US" sz="2800" dirty="0">
-                <a:latin typeface="Avenir Light"/>
-                <a:cs typeface="Avenir Light"/>
-              </a:rPr>
-              <a:t>Tutorial (PostgreSQL 11.2)</a:t>
-            </a:r>
-          </a:p>
-          <a:p>
             <a:pPr marL="82296" indent="0">
               <a:buNone/>
             </a:pPr>
-            <a:r>
-              <a:rPr lang="en-US" sz="2800" dirty="0">
-                <a:latin typeface="Avenir Light"/>
-                <a:cs typeface="Avenir Light"/>
-                <a:hlinkClick r:id="rId5"/>
-              </a:rPr>
-              <a:t>https://www.datacamp.com/community/tutorials/installing-postgresql-windows-macosx</a:t>
-            </a:r>
-            <a:endParaRPr lang="en-US" sz="2800" dirty="0">
-              <a:latin typeface="Avenir Light"/>
-              <a:cs typeface="Avenir Light"/>
+            <a:endParaRPr lang="en-US" dirty="0">
+              <a:latin typeface="Avenir Medium"/>
+              <a:cs typeface="Avenir Medium"/>
             </a:endParaRPr>
           </a:p>
           <a:p>
             <a:pPr marL="82296" indent="0">
               <a:buNone/>
             </a:pPr>
-            <a:endParaRPr lang="en-US" sz="1200" dirty="0">
-              <a:latin typeface="Avenir Light"/>
-              <a:cs typeface="Avenir Light"/>
+            <a:endParaRPr lang="en-US" dirty="0">
+              <a:latin typeface="Avenir Medium"/>
+              <a:cs typeface="Avenir Medium"/>
             </a:endParaRPr>
           </a:p>
           <a:p>
-            <a:r>
-              <a:rPr lang="en-US" sz="2800" dirty="0">
-                <a:latin typeface="Avenir Light"/>
-                <a:cs typeface="Avenir Light"/>
-              </a:rPr>
-              <a:t>Intro To PostgreSQL Databases With </a:t>
-            </a:r>
-            <a:r>
-              <a:rPr lang="en-US" sz="2800" dirty="0" err="1">
-                <a:latin typeface="Avenir Light"/>
-                <a:cs typeface="Avenir Light"/>
-              </a:rPr>
-              <a:t>PgAdmin</a:t>
-            </a:r>
-            <a:r>
-              <a:rPr lang="en-US" sz="2800" dirty="0">
-                <a:latin typeface="Avenir Light"/>
-                <a:cs typeface="Avenir Light"/>
-              </a:rPr>
-              <a:t> For Beginners - Full Course</a:t>
-            </a:r>
-          </a:p>
-          <a:p>
             <a:pPr marL="82296" indent="0">
               <a:buNone/>
             </a:pPr>
-            <a:r>
-              <a:rPr lang="en-US" sz="2800" dirty="0">
-                <a:latin typeface="Avenir Light"/>
-                <a:cs typeface="Avenir Light"/>
-                <a:hlinkClick r:id="rId6"/>
-              </a:rPr>
-              <a:t>https://www.youtube.com/watch?v=Dd2ej-QKrWY</a:t>
-            </a:r>
-            <a:endParaRPr lang="en-US" sz="2800" dirty="0">
-              <a:latin typeface="Avenir Light"/>
-              <a:cs typeface="Avenir Light"/>
+            <a:endParaRPr lang="en-US" dirty="0">
+              <a:latin typeface="Avenir Medium"/>
+              <a:cs typeface="Avenir Medium"/>
             </a:endParaRPr>
           </a:p>
           <a:p>
-            <a:endParaRPr lang="en-US" sz="2800" dirty="0">
-              <a:latin typeface="Avenir Light"/>
-              <a:cs typeface="Avenir Light"/>
-            </a:endParaRPr>
-          </a:p>
-          <a:p>
             <a:pPr marL="82296" indent="0">
               <a:buNone/>
             </a:pPr>
-            <a:endParaRPr lang="en-US" sz="1000" dirty="0">
-              <a:latin typeface="Avenir Light"/>
-              <a:cs typeface="Avenir Light"/>
-            </a:endParaRPr>
-          </a:p>
-          <a:p>
-            <a:pPr marL="82296" indent="0">
-              <a:buNone/>
-            </a:pPr>
-            <a:endParaRPr lang="en-US" sz="1100" dirty="0">
-              <a:latin typeface="Avenir Light"/>
-              <a:cs typeface="Avenir Light"/>
+            <a:endParaRPr lang="en-US" dirty="0">
+              <a:latin typeface="Avenir Medium"/>
+              <a:cs typeface="Avenir Medium"/>
             </a:endParaRPr>
           </a:p>
         </p:txBody>
@@ -5855,7 +5965,7 @@
     </p:spTree>
     <p:extLst>
       <p:ext uri="{BB962C8B-B14F-4D97-AF65-F5344CB8AC3E}">
-        <p14:creationId xmlns:p14="http://schemas.microsoft.com/office/powerpoint/2010/main" val="2365991784"/>
+        <p14:creationId xmlns:p14="http://schemas.microsoft.com/office/powerpoint/2010/main" val="2884504170"/>
       </p:ext>
     </p:extLst>
   </p:cSld>
@@ -5897,698 +6007,6 @@
         </p:nvSpPr>
         <p:spPr>
           <a:xfrm>
-            <a:off x="304800" y="152400"/>
-            <a:ext cx="8686800" cy="1143000"/>
-          </a:xfrm>
-        </p:spPr>
-        <p:txBody>
-          <a:bodyPr anchor="ctr">
-            <a:normAutofit/>
-          </a:bodyPr>
-          <a:lstStyle/>
-          <a:p>
-            <a:pPr algn="ctr"/>
-            <a:r>
-              <a:rPr lang="en-US" sz="3600" b="1" dirty="0" err="1">
-                <a:latin typeface="Arial Unicode MS" panose="020B0604020202020204" pitchFamily="34" charset="-128"/>
-                <a:ea typeface="Arial Unicode MS" panose="020B0604020202020204" pitchFamily="34" charset="-128"/>
-                <a:cs typeface="Arial Unicode MS" panose="020B0604020202020204" pitchFamily="34" charset="-128"/>
-              </a:rPr>
-              <a:t>Tutoriale</a:t>
-            </a:r>
-            <a:r>
-              <a:rPr lang="en-US" sz="3600" b="1" dirty="0">
-                <a:latin typeface="Arial Unicode MS" panose="020B0604020202020204" pitchFamily="34" charset="-128"/>
-                <a:ea typeface="Arial Unicode MS" panose="020B0604020202020204" pitchFamily="34" charset="-128"/>
-                <a:cs typeface="Arial Unicode MS" panose="020B0604020202020204" pitchFamily="34" charset="-128"/>
-              </a:rPr>
-              <a:t> – SQL </a:t>
-            </a:r>
-            <a:r>
-              <a:rPr lang="en-US" sz="3600" b="1" dirty="0" err="1">
-                <a:latin typeface="Arial Unicode MS" panose="020B0604020202020204" pitchFamily="34" charset="-128"/>
-                <a:ea typeface="Arial Unicode MS" panose="020B0604020202020204" pitchFamily="34" charset="-128"/>
-                <a:cs typeface="Arial Unicode MS" panose="020B0604020202020204" pitchFamily="34" charset="-128"/>
-              </a:rPr>
-              <a:t>în</a:t>
-            </a:r>
-            <a:r>
-              <a:rPr lang="en-US" sz="3600" b="1" dirty="0">
-                <a:latin typeface="Arial Unicode MS" panose="020B0604020202020204" pitchFamily="34" charset="-128"/>
-                <a:ea typeface="Arial Unicode MS" panose="020B0604020202020204" pitchFamily="34" charset="-128"/>
-                <a:cs typeface="Arial Unicode MS" panose="020B0604020202020204" pitchFamily="34" charset="-128"/>
-              </a:rPr>
-              <a:t> PostgreSQL</a:t>
-            </a:r>
-          </a:p>
-        </p:txBody>
-      </p:sp>
-      <p:sp>
-        <p:nvSpPr>
-          <p:cNvPr id="3" name="Text Placeholder 2"/>
-          <p:cNvSpPr>
-            <a:spLocks noGrp="1"/>
-          </p:cNvSpPr>
-          <p:nvPr>
-            <p:ph type="body" sz="half" idx="1"/>
-          </p:nvPr>
-        </p:nvSpPr>
-        <p:spPr>
-          <a:xfrm>
-            <a:off x="609600" y="1219200"/>
-            <a:ext cx="8534400" cy="5715000"/>
-          </a:xfrm>
-        </p:spPr>
-        <p:txBody>
-          <a:bodyPr>
-            <a:normAutofit lnSpcReduction="10000"/>
-          </a:bodyPr>
-          <a:lstStyle/>
-          <a:p>
-            <a:r>
-              <a:rPr lang="en-US" sz="2800" dirty="0">
-                <a:latin typeface="Avenir Light"/>
-                <a:cs typeface="Avenir Light"/>
-              </a:rPr>
-              <a:t>PostgreSQL Tutorial For Beginners | Learn PostgreSQL | Introduction to PostgreSQL | </a:t>
-            </a:r>
-            <a:r>
-              <a:rPr lang="en-US" sz="2800" dirty="0" err="1">
-                <a:latin typeface="Avenir Light"/>
-                <a:cs typeface="Avenir Light"/>
-              </a:rPr>
-              <a:t>Edureka</a:t>
-            </a:r>
-            <a:r>
-              <a:rPr lang="en-US" sz="2800" dirty="0">
-                <a:latin typeface="Avenir Light"/>
-                <a:cs typeface="Avenir Light"/>
-              </a:rPr>
-              <a:t> (2019)</a:t>
-            </a:r>
-          </a:p>
-          <a:p>
-            <a:pPr marL="82296" indent="0">
-              <a:buNone/>
-            </a:pPr>
-            <a:r>
-              <a:rPr lang="en-US" sz="2800" dirty="0">
-                <a:latin typeface="Avenir Light"/>
-                <a:cs typeface="Avenir Light"/>
-                <a:hlinkClick r:id="rId2"/>
-              </a:rPr>
-              <a:t>https://www.youtube.com/watch?v=-VO7YjQeG6Y</a:t>
-            </a:r>
-            <a:endParaRPr lang="en-US" sz="2800" dirty="0">
-              <a:latin typeface="Avenir Light"/>
-              <a:cs typeface="Avenir Light"/>
-            </a:endParaRPr>
-          </a:p>
-          <a:p>
-            <a:endParaRPr lang="en-US" sz="1000" dirty="0">
-              <a:latin typeface="Avenir Light"/>
-              <a:cs typeface="Avenir Light"/>
-            </a:endParaRPr>
-          </a:p>
-          <a:p>
-            <a:r>
-              <a:rPr lang="en-US" sz="2800" dirty="0">
-                <a:latin typeface="Avenir Light"/>
-                <a:cs typeface="Avenir Light"/>
-              </a:rPr>
-              <a:t>PostgreSQL Tutorials : Learn PostgreSQL From Beginning to Advanced(Beginner's List) (2016)</a:t>
-            </a:r>
-          </a:p>
-          <a:p>
-            <a:pPr marL="82296" indent="0">
-              <a:buNone/>
-            </a:pPr>
-            <a:r>
-              <a:rPr lang="en-US" sz="2800" dirty="0">
-                <a:latin typeface="Avenir Light"/>
-                <a:cs typeface="Avenir Light"/>
-                <a:hlinkClick r:id="rId3"/>
-              </a:rPr>
-              <a:t>https://www.youtube.com/playlist?list=PLk1kxccoEnNEtwGZW-3KAcAlhI_Guwh8x</a:t>
-            </a:r>
-            <a:endParaRPr lang="en-US" sz="2800" dirty="0">
-              <a:latin typeface="Avenir Light"/>
-              <a:cs typeface="Avenir Light"/>
-            </a:endParaRPr>
-          </a:p>
-          <a:p>
-            <a:pPr marL="82296" indent="0">
-              <a:buNone/>
-            </a:pPr>
-            <a:endParaRPr lang="en-US" sz="1100" dirty="0">
-              <a:latin typeface="Avenir Light"/>
-              <a:cs typeface="Avenir Light"/>
-            </a:endParaRPr>
-          </a:p>
-          <a:p>
-            <a:pPr marL="82296" indent="0">
-              <a:buNone/>
-            </a:pPr>
-            <a:endParaRPr lang="en-US" sz="1100" dirty="0">
-              <a:latin typeface="Avenir Light"/>
-              <a:cs typeface="Avenir Light"/>
-            </a:endParaRPr>
-          </a:p>
-          <a:p>
-            <a:pPr marL="82296" indent="0">
-              <a:buNone/>
-            </a:pPr>
-            <a:endParaRPr lang="en-US" sz="1100" dirty="0">
-              <a:latin typeface="Avenir Light"/>
-              <a:cs typeface="Avenir Light"/>
-            </a:endParaRPr>
-          </a:p>
-          <a:p>
-            <a:r>
-              <a:rPr lang="en-US" sz="2800" dirty="0">
-                <a:latin typeface="Avenir Light"/>
-                <a:cs typeface="Avenir Light"/>
-              </a:rPr>
-              <a:t>SQL Tutorial for Beginners 1: Installing PostgreSQL and Creating Your First Database</a:t>
-            </a:r>
-          </a:p>
-          <a:p>
-            <a:pPr marL="82296" indent="0">
-              <a:buNone/>
-            </a:pPr>
-            <a:r>
-              <a:rPr lang="en-US" sz="2800" dirty="0">
-                <a:latin typeface="Avenir Light"/>
-                <a:cs typeface="Avenir Light"/>
-                <a:hlinkClick r:id="rId4"/>
-              </a:rPr>
-              <a:t>https://www.youtube.com/watch?v=xaWlS9HtWYw</a:t>
-            </a:r>
-            <a:endParaRPr lang="en-US" sz="2800" dirty="0">
-              <a:latin typeface="Avenir Light"/>
-              <a:cs typeface="Avenir Light"/>
-            </a:endParaRPr>
-          </a:p>
-          <a:p>
-            <a:endParaRPr lang="en-US" sz="2800" dirty="0">
-              <a:latin typeface="Avenir Light"/>
-              <a:cs typeface="Avenir Light"/>
-            </a:endParaRPr>
-          </a:p>
-        </p:txBody>
-      </p:sp>
-    </p:spTree>
-    <p:extLst>
-      <p:ext uri="{BB962C8B-B14F-4D97-AF65-F5344CB8AC3E}">
-        <p14:creationId xmlns:p14="http://schemas.microsoft.com/office/powerpoint/2010/main" val="1881349444"/>
-      </p:ext>
-    </p:extLst>
-  </p:cSld>
-  <p:clrMapOvr>
-    <a:masterClrMapping/>
-  </p:clrMapOvr>
-  <p:transition>
-    <p:random/>
-  </p:transition>
-</p:sld>
-</file>
-
-<file path=ppt/slides/slide5.xml><?xml version="1.0" encoding="utf-8"?>
-<p:sld xmlns:a="http://schemas.openxmlformats.org/drawingml/2006/main" xmlns:r="http://schemas.openxmlformats.org/officeDocument/2006/relationships" xmlns:p="http://schemas.openxmlformats.org/presentationml/2006/main">
-  <p:cSld>
-    <p:spTree>
-      <p:nvGrpSpPr>
-        <p:cNvPr id="1" name=""/>
-        <p:cNvGrpSpPr/>
-        <p:nvPr/>
-      </p:nvGrpSpPr>
-      <p:grpSpPr>
-        <a:xfrm>
-          <a:off x="0" y="0"/>
-          <a:ext cx="0" cy="0"/>
-          <a:chOff x="0" y="0"/>
-          <a:chExt cx="0" cy="0"/>
-        </a:xfrm>
-      </p:grpSpPr>
-      <p:sp>
-        <p:nvSpPr>
-          <p:cNvPr id="2" name="Title 1"/>
-          <p:cNvSpPr>
-            <a:spLocks noGrp="1"/>
-          </p:cNvSpPr>
-          <p:nvPr>
-            <p:ph type="title"/>
-          </p:nvPr>
-        </p:nvSpPr>
-        <p:spPr>
-          <a:xfrm>
-            <a:off x="0" y="76200"/>
-            <a:ext cx="9144000" cy="1143000"/>
-          </a:xfrm>
-        </p:spPr>
-        <p:txBody>
-          <a:bodyPr anchor="ctr">
-            <a:normAutofit/>
-          </a:bodyPr>
-          <a:lstStyle/>
-          <a:p>
-            <a:pPr algn="ctr"/>
-            <a:r>
-              <a:rPr lang="en-US" sz="3600" b="1" dirty="0" err="1">
-                <a:latin typeface="Arial Unicode MS" panose="020B0604020202020204" pitchFamily="34" charset="-128"/>
-                <a:ea typeface="Arial Unicode MS" panose="020B0604020202020204" pitchFamily="34" charset="-128"/>
-                <a:cs typeface="Arial Unicode MS" panose="020B0604020202020204" pitchFamily="34" charset="-128"/>
-              </a:rPr>
-              <a:t>Tutoriale</a:t>
-            </a:r>
-            <a:r>
-              <a:rPr lang="en-US" sz="3600" b="1" dirty="0">
-                <a:latin typeface="Arial Unicode MS" panose="020B0604020202020204" pitchFamily="34" charset="-128"/>
-                <a:ea typeface="Arial Unicode MS" panose="020B0604020202020204" pitchFamily="34" charset="-128"/>
-                <a:cs typeface="Arial Unicode MS" panose="020B0604020202020204" pitchFamily="34" charset="-128"/>
-              </a:rPr>
-              <a:t> </a:t>
-            </a:r>
-            <a:r>
-              <a:rPr lang="en-US" sz="3600" b="1" dirty="0" err="1">
-                <a:latin typeface="Arial Unicode MS" panose="020B0604020202020204" pitchFamily="34" charset="-128"/>
-                <a:ea typeface="Arial Unicode MS" panose="020B0604020202020204" pitchFamily="34" charset="-128"/>
-                <a:cs typeface="Arial Unicode MS" panose="020B0604020202020204" pitchFamily="34" charset="-128"/>
-              </a:rPr>
-              <a:t>pentru</a:t>
-            </a:r>
-            <a:r>
-              <a:rPr lang="en-US" sz="3600" b="1" dirty="0">
-                <a:latin typeface="Arial Unicode MS" panose="020B0604020202020204" pitchFamily="34" charset="-128"/>
-                <a:ea typeface="Arial Unicode MS" panose="020B0604020202020204" pitchFamily="34" charset="-128"/>
-                <a:cs typeface="Arial Unicode MS" panose="020B0604020202020204" pitchFamily="34" charset="-128"/>
-              </a:rPr>
-              <a:t> </a:t>
-            </a:r>
-            <a:r>
-              <a:rPr lang="en-US" sz="3600" b="1" dirty="0" err="1">
-                <a:latin typeface="Arial Unicode MS" panose="020B0604020202020204" pitchFamily="34" charset="-128"/>
-                <a:ea typeface="Arial Unicode MS" panose="020B0604020202020204" pitchFamily="34" charset="-128"/>
-                <a:cs typeface="Arial Unicode MS" panose="020B0604020202020204" pitchFamily="34" charset="-128"/>
-              </a:rPr>
-              <a:t>instalarea</a:t>
-            </a:r>
-            <a:r>
-              <a:rPr lang="en-US" sz="3600" b="1" dirty="0">
-                <a:latin typeface="Arial Unicode MS" panose="020B0604020202020204" pitchFamily="34" charset="-128"/>
-                <a:ea typeface="Arial Unicode MS" panose="020B0604020202020204" pitchFamily="34" charset="-128"/>
-                <a:cs typeface="Arial Unicode MS" panose="020B0604020202020204" pitchFamily="34" charset="-128"/>
-              </a:rPr>
-              <a:t> R &amp; RStudio</a:t>
-            </a:r>
-          </a:p>
-        </p:txBody>
-      </p:sp>
-      <p:sp>
-        <p:nvSpPr>
-          <p:cNvPr id="7" name="Text Placeholder 2"/>
-          <p:cNvSpPr txBox="1">
-            <a:spLocks/>
-          </p:cNvSpPr>
-          <p:nvPr/>
-        </p:nvSpPr>
-        <p:spPr>
-          <a:xfrm>
-            <a:off x="685800" y="1295400"/>
-            <a:ext cx="8458200" cy="5562600"/>
-          </a:xfrm>
-          <a:prstGeom prst="rect">
-            <a:avLst/>
-          </a:prstGeom>
-        </p:spPr>
-        <p:txBody>
-          <a:bodyPr>
-            <a:normAutofit fontScale="85000" lnSpcReduction="10000"/>
-          </a:bodyPr>
-          <a:lstStyle>
-            <a:lvl1pPr marL="365760" indent="-283464" algn="l" eaLnBrk="1" latinLnBrk="0" hangingPunct="1">
-              <a:lnSpc>
-                <a:spcPct val="100000"/>
-              </a:lnSpc>
-              <a:spcBef>
-                <a:spcPts val="600"/>
-              </a:spcBef>
-              <a:buClr>
-                <a:schemeClr val="accent1"/>
-              </a:buClr>
-              <a:buSzPct val="80000"/>
-              <a:buFont typeface="Wingdings 2"/>
-              <a:buChar char=""/>
-              <a:defRPr kumimoji="0" sz="3000">
-                <a:latin typeface="+mn-lt"/>
-              </a:defRPr>
-            </a:lvl1pPr>
-            <a:lvl2pPr marL="640080" lvl="1" indent="-237744" algn="l" eaLnBrk="1" latinLnBrk="0" hangingPunct="1">
-              <a:lnSpc>
-                <a:spcPct val="100000"/>
-              </a:lnSpc>
-              <a:spcBef>
-                <a:spcPts val="550"/>
-              </a:spcBef>
-              <a:buClr>
-                <a:schemeClr val="accent1"/>
-              </a:buClr>
-              <a:buFont typeface="Verdana"/>
-              <a:buChar char="◦"/>
-              <a:defRPr kumimoji="0" sz="2600">
-                <a:latin typeface="+mn-lt"/>
-              </a:defRPr>
-            </a:lvl2pPr>
-            <a:lvl3pPr marL="886968" indent="-228600" algn="l" eaLnBrk="1" latinLnBrk="0" hangingPunct="1">
-              <a:lnSpc>
-                <a:spcPct val="100000"/>
-              </a:lnSpc>
-              <a:buClr>
-                <a:schemeClr val="accent2"/>
-              </a:buClr>
-              <a:buFont typeface="Wingdings 2"/>
-              <a:buChar char=""/>
-              <a:defRPr kumimoji="0" sz="2400">
-                <a:latin typeface="+mn-lt"/>
-              </a:defRPr>
-            </a:lvl3pPr>
-            <a:lvl4pPr marL="1097280" indent="-173736" algn="l" eaLnBrk="1" latinLnBrk="0" hangingPunct="1">
-              <a:lnSpc>
-                <a:spcPct val="100000"/>
-              </a:lnSpc>
-              <a:buClr>
-                <a:schemeClr val="accent3"/>
-              </a:buClr>
-              <a:buFont typeface="Wingdings 2"/>
-              <a:buChar char=""/>
-              <a:defRPr kumimoji="0" sz="2000">
-                <a:latin typeface="+mn-lt"/>
-              </a:defRPr>
-            </a:lvl4pPr>
-            <a:lvl5pPr marL="1298448" indent="-182880" algn="l" eaLnBrk="1" latinLnBrk="0" hangingPunct="1">
-              <a:lnSpc>
-                <a:spcPct val="100000"/>
-              </a:lnSpc>
-              <a:buClr>
-                <a:schemeClr val="accent4"/>
-              </a:buClr>
-              <a:buFont typeface="Wingdings 2"/>
-              <a:buChar char=""/>
-              <a:defRPr kumimoji="0" sz="2000">
-                <a:latin typeface="+mn-lt"/>
-              </a:defRPr>
-            </a:lvl5pPr>
-            <a:lvl6pPr marL="1508760" indent="-182880">
-              <a:lnSpc>
-                <a:spcPct val="100000"/>
-              </a:lnSpc>
-              <a:spcBef>
-                <a:spcPct val="20000"/>
-              </a:spcBef>
-              <a:buClr>
-                <a:schemeClr val="accent5"/>
-              </a:buClr>
-              <a:buFont typeface="Wingdings 2"/>
-              <a:buChar char=""/>
-              <a:defRPr kumimoji="0" sz="2000">
-                <a:latin typeface="+mn-lt"/>
-              </a:defRPr>
-            </a:lvl6pPr>
-            <a:lvl7pPr marL="1719072" indent="-182880">
-              <a:lnSpc>
-                <a:spcPct val="100000"/>
-              </a:lnSpc>
-              <a:spcBef>
-                <a:spcPct val="20000"/>
-              </a:spcBef>
-              <a:buClr>
-                <a:schemeClr val="accent6"/>
-              </a:buClr>
-              <a:buFont typeface="Wingdings 2"/>
-              <a:buChar char=""/>
-              <a:defRPr kumimoji="0" sz="2000">
-                <a:latin typeface="+mn-lt"/>
-              </a:defRPr>
-            </a:lvl7pPr>
-            <a:lvl8pPr marL="1920240" indent="-182880">
-              <a:lnSpc>
-                <a:spcPct val="100000"/>
-              </a:lnSpc>
-              <a:spcBef>
-                <a:spcPct val="20000"/>
-              </a:spcBef>
-              <a:buClr>
-                <a:schemeClr val="accent6"/>
-              </a:buClr>
-              <a:buFont typeface="Wingdings 2"/>
-              <a:buChar char=""/>
-              <a:defRPr kumimoji="0" sz="2000">
-                <a:latin typeface="+mn-lt"/>
-              </a:defRPr>
-            </a:lvl8pPr>
-            <a:lvl9pPr marL="2130552" indent="-182880">
-              <a:lnSpc>
-                <a:spcPct val="100000"/>
-              </a:lnSpc>
-              <a:spcBef>
-                <a:spcPct val="20000"/>
-              </a:spcBef>
-              <a:buClr>
-                <a:schemeClr val="accent6"/>
-              </a:buClr>
-              <a:buFont typeface="Wingdings 2"/>
-              <a:buChar char=""/>
-              <a:defRPr kumimoji="0" sz="2000">
-                <a:latin typeface="+mn-lt"/>
-              </a:defRPr>
-            </a:lvl9pPr>
-            <a:extLst/>
-          </a:lstStyle>
-          <a:p>
-            <a:r>
-              <a:rPr lang="en-US" dirty="0">
-                <a:latin typeface="Avenir Medium"/>
-                <a:cs typeface="Avenir Medium"/>
-              </a:rPr>
-              <a:t>Installing R and RStudio on Windows 10 (2020-3:20)</a:t>
-            </a:r>
-          </a:p>
-          <a:p>
-            <a:pPr marL="82296" indent="0">
-              <a:buNone/>
-            </a:pPr>
-            <a:r>
-              <a:rPr lang="en-US" dirty="0">
-                <a:latin typeface="Avenir Medium"/>
-                <a:cs typeface="Avenir Medium"/>
-                <a:hlinkClick r:id="rId2"/>
-              </a:rPr>
-              <a:t>https://www.youtube.com/watch?v=VLWaED9jTiA</a:t>
-            </a:r>
-            <a:endParaRPr lang="en-US" dirty="0">
-              <a:latin typeface="Avenir Medium"/>
-              <a:cs typeface="Avenir Medium"/>
-            </a:endParaRPr>
-          </a:p>
-          <a:p>
-            <a:pPr marL="82296" indent="0">
-              <a:buNone/>
-            </a:pPr>
-            <a:endParaRPr lang="en-US" dirty="0">
-              <a:latin typeface="Avenir Medium"/>
-              <a:cs typeface="Avenir Medium"/>
-            </a:endParaRPr>
-          </a:p>
-          <a:p>
-            <a:r>
-              <a:rPr lang="en-US" sz="3100" dirty="0">
-                <a:latin typeface="Avenir Medium"/>
-              </a:rPr>
-              <a:t>How to install </a:t>
-            </a:r>
-            <a:r>
-              <a:rPr lang="en-US" sz="3100" dirty="0" err="1">
-                <a:latin typeface="Avenir Medium"/>
-              </a:rPr>
-              <a:t>Rstudio</a:t>
-            </a:r>
-            <a:r>
-              <a:rPr lang="en-US" sz="3100" dirty="0">
-                <a:latin typeface="Avenir Medium"/>
-              </a:rPr>
-              <a:t> on Windows 10 (2019-2min)</a:t>
-            </a:r>
-          </a:p>
-          <a:p>
-            <a:pPr marL="82296" indent="0">
-              <a:buNone/>
-            </a:pPr>
-            <a:r>
-              <a:rPr lang="en-US" dirty="0">
-                <a:latin typeface="Avenir Medium"/>
-                <a:cs typeface="Avenir Medium"/>
-                <a:hlinkClick r:id="rId3"/>
-              </a:rPr>
-              <a:t>https://www.youtube.com/watch?v=9Jo9lJFOf9E</a:t>
-            </a:r>
-            <a:endParaRPr lang="en-US" dirty="0">
-              <a:latin typeface="Avenir Medium"/>
-              <a:cs typeface="Avenir Medium"/>
-            </a:endParaRPr>
-          </a:p>
-          <a:p>
-            <a:pPr marL="82296" indent="0">
-              <a:buNone/>
-            </a:pPr>
-            <a:endParaRPr lang="en-US" dirty="0">
-              <a:latin typeface="Avenir Medium"/>
-              <a:cs typeface="Avenir Medium"/>
-            </a:endParaRPr>
-          </a:p>
-          <a:p>
-            <a:r>
-              <a:rPr lang="en-US" dirty="0">
-                <a:latin typeface="Avenir Medium"/>
-                <a:cs typeface="Avenir Medium"/>
-              </a:rPr>
-              <a:t>How to install R and install R Studio. How to use R studio | R programming for beginners (2019 – 7:36)</a:t>
-            </a:r>
-          </a:p>
-          <a:p>
-            <a:pPr marL="82296" indent="0">
-              <a:buNone/>
-            </a:pPr>
-            <a:r>
-              <a:rPr lang="en-US" dirty="0">
-                <a:latin typeface="Avenir Medium"/>
-                <a:cs typeface="Avenir Medium"/>
-                <a:hlinkClick r:id="rId4"/>
-              </a:rPr>
-              <a:t>https://www.youtube.com/watch?v=orjLGFmx6l4</a:t>
-            </a:r>
-            <a:endParaRPr lang="en-US" dirty="0">
-              <a:latin typeface="Avenir Medium"/>
-              <a:cs typeface="Avenir Medium"/>
-            </a:endParaRPr>
-          </a:p>
-          <a:p>
-            <a:pPr marL="82296" indent="0">
-              <a:buNone/>
-            </a:pPr>
-            <a:endParaRPr lang="en-US" dirty="0">
-              <a:latin typeface="Avenir Medium"/>
-              <a:cs typeface="Avenir Medium"/>
-            </a:endParaRPr>
-          </a:p>
-          <a:p>
-            <a:r>
-              <a:rPr lang="en-US" dirty="0">
-                <a:latin typeface="Avenir Medium"/>
-                <a:cs typeface="Avenir Medium"/>
-              </a:rPr>
-              <a:t>How to Download and Install R and R Studio (Best Version - 2020) </a:t>
-            </a:r>
-          </a:p>
-          <a:p>
-            <a:pPr marL="82296" indent="0">
-              <a:buNone/>
-            </a:pPr>
-            <a:r>
-              <a:rPr lang="en-US" dirty="0">
-                <a:latin typeface="Avenir Medium"/>
-                <a:cs typeface="Avenir Medium"/>
-                <a:hlinkClick r:id="rId5"/>
-              </a:rPr>
-              <a:t>https://www.youtube.com/watch?v=by5HyJX6H1I</a:t>
-            </a:r>
-            <a:endParaRPr lang="en-US" dirty="0">
-              <a:latin typeface="Avenir Medium"/>
-              <a:cs typeface="Avenir Medium"/>
-            </a:endParaRPr>
-          </a:p>
-          <a:p>
-            <a:pPr marL="82296" indent="0">
-              <a:buNone/>
-            </a:pPr>
-            <a:endParaRPr lang="en-US" dirty="0">
-              <a:latin typeface="Avenir Medium"/>
-              <a:cs typeface="Avenir Medium"/>
-            </a:endParaRPr>
-          </a:p>
-          <a:p>
-            <a:pPr marL="82296" indent="0">
-              <a:buNone/>
-            </a:pPr>
-            <a:endParaRPr lang="en-US" dirty="0">
-              <a:latin typeface="Avenir Medium"/>
-              <a:cs typeface="Avenir Medium"/>
-            </a:endParaRPr>
-          </a:p>
-          <a:p>
-            <a:pPr marL="82296" indent="0">
-              <a:buNone/>
-            </a:pPr>
-            <a:endParaRPr lang="en-US" dirty="0">
-              <a:latin typeface="Avenir Medium"/>
-              <a:cs typeface="Avenir Medium"/>
-            </a:endParaRPr>
-          </a:p>
-          <a:p>
-            <a:pPr marL="82296" indent="0">
-              <a:buNone/>
-            </a:pPr>
-            <a:endParaRPr lang="en-US" dirty="0">
-              <a:latin typeface="Avenir Medium"/>
-              <a:cs typeface="Avenir Medium"/>
-            </a:endParaRPr>
-          </a:p>
-        </p:txBody>
-      </p:sp>
-    </p:spTree>
-    <p:extLst>
-      <p:ext uri="{BB962C8B-B14F-4D97-AF65-F5344CB8AC3E}">
-        <p14:creationId xmlns:p14="http://schemas.microsoft.com/office/powerpoint/2010/main" val="2884504170"/>
-      </p:ext>
-    </p:extLst>
-  </p:cSld>
-  <p:clrMapOvr>
-    <a:masterClrMapping/>
-  </p:clrMapOvr>
-  <p:transition>
-    <p:random/>
-  </p:transition>
-</p:sld>
-</file>
-
-<file path=ppt/slides/slide6.xml><?xml version="1.0" encoding="utf-8"?>
-<p:sld xmlns:a="http://schemas.openxmlformats.org/drawingml/2006/main" xmlns:r="http://schemas.openxmlformats.org/officeDocument/2006/relationships" xmlns:p="http://schemas.openxmlformats.org/presentationml/2006/main">
-  <p:cSld>
-    <p:spTree>
-      <p:nvGrpSpPr>
-        <p:cNvPr id="1" name=""/>
-        <p:cNvGrpSpPr/>
-        <p:nvPr/>
-      </p:nvGrpSpPr>
-      <p:grpSpPr>
-        <a:xfrm>
-          <a:off x="0" y="0"/>
-          <a:ext cx="0" cy="0"/>
-          <a:chOff x="0" y="0"/>
-          <a:chExt cx="0" cy="0"/>
-        </a:xfrm>
-      </p:grpSpPr>
-      <p:sp>
-        <p:nvSpPr>
-          <p:cNvPr id="2" name="Title 1"/>
-          <p:cNvSpPr>
-            <a:spLocks noGrp="1"/>
-          </p:cNvSpPr>
-          <p:nvPr>
-            <p:ph type="title"/>
-          </p:nvPr>
-        </p:nvSpPr>
-        <p:spPr>
-          <a:xfrm>
             <a:off x="0" y="76200"/>
             <a:ext cx="9144000" cy="1143000"/>
           </a:xfrm>
@@ -7292,7 +6710,7 @@
 </p:sld>
 </file>
 
-<file path=ppt/slides/slide7.xml><?xml version="1.0" encoding="utf-8"?>
+<file path=ppt/slides/slide5.xml><?xml version="1.0" encoding="utf-8"?>
 <p:sld xmlns:a="http://schemas.openxmlformats.org/drawingml/2006/main" xmlns:r="http://schemas.openxmlformats.org/officeDocument/2006/relationships" xmlns:p="http://schemas.openxmlformats.org/presentationml/2006/main">
   <p:cSld>
     <p:spTree>

--- a/00_Lucru PostgreSQL si R/00b_Instalare si lucru in R si RStudio.pptx
+++ b/00_Lucru PostgreSQL si R/00b_Instalare si lucru in R si RStudio.pptx
@@ -182,14 +182,6 @@
 </p:presentation>
 </file>
 
-<file path=ppt/revisionInfo.xml><?xml version="1.0" encoding="utf-8"?>
-<p1510:revInfo xmlns:a="http://schemas.openxmlformats.org/drawingml/2006/main" xmlns:r="http://schemas.openxmlformats.org/officeDocument/2006/relationships" xmlns:p1510="http://schemas.microsoft.com/office/powerpoint/2015/10/main">
-  <p1510:revLst>
-    <p1510:client id="{0BB999A3-1855-724C-B58B-9016E5CB9DB8}" v="5" dt="2021-02-14T08:02:33.716"/>
-  </p1510:revLst>
-</p1510:revInfo>
-</file>
-
 <file path=ppt/changesInfos/changesInfo1.xml><?xml version="1.0" encoding="utf-8"?>
 <pc:chgInfo xmlns:a="http://schemas.openxmlformats.org/drawingml/2006/main" xmlns:r="http://schemas.openxmlformats.org/officeDocument/2006/relationships" xmlns:ac="http://schemas.microsoft.com/office/drawing/2013/main/command" xmlns:pc="http://schemas.microsoft.com/office/powerpoint/2013/main/command">
   <pc:docChgLst>
@@ -343,6 +335,30 @@
             <pc:docMk/>
             <pc:sldMk cId="445102331" sldId="445"/>
             <ac:spMk id="2" creationId="{00000000-0000-0000-0000-000000000000}"/>
+          </ac:spMkLst>
+        </pc:spChg>
+      </pc:sldChg>
+    </pc:docChg>
+  </pc:docChgLst>
+  <pc:docChgLst>
+    <pc:chgData name="Marin Fotache" userId="9233cd031198ef03" providerId="LiveId" clId="{EC84033F-3C49-924B-8D6B-2EC87C1A7D63}"/>
+    <pc:docChg chg="custSel modSld">
+      <pc:chgData name="Marin Fotache" userId="9233cd031198ef03" providerId="LiveId" clId="{EC84033F-3C49-924B-8D6B-2EC87C1A7D63}" dt="2022-02-20T06:39:33.116" v="53" actId="20577"/>
+      <pc:docMkLst>
+        <pc:docMk/>
+      </pc:docMkLst>
+      <pc:sldChg chg="modSp mod">
+        <pc:chgData name="Marin Fotache" userId="9233cd031198ef03" providerId="LiveId" clId="{EC84033F-3C49-924B-8D6B-2EC87C1A7D63}" dt="2022-02-20T06:39:33.116" v="53" actId="20577"/>
+        <pc:sldMkLst>
+          <pc:docMk/>
+          <pc:sldMk cId="0" sldId="256"/>
+        </pc:sldMkLst>
+        <pc:spChg chg="mod">
+          <ac:chgData name="Marin Fotache" userId="9233cd031198ef03" providerId="LiveId" clId="{EC84033F-3C49-924B-8D6B-2EC87C1A7D63}" dt="2022-02-20T06:39:33.116" v="53" actId="20577"/>
+          <ac:spMkLst>
+            <pc:docMk/>
+            <pc:sldMk cId="0" sldId="256"/>
+            <ac:spMk id="2051" creationId="{00000000-0000-0000-0000-000000000000}"/>
           </ac:spMkLst>
         </pc:spChg>
       </pc:sldChg>
@@ -4695,7 +4711,7 @@
             <a:prstTxWarp prst="textNoShape">
               <a:avLst/>
             </a:prstTxWarp>
-            <a:normAutofit/>
+            <a:normAutofit fontScale="92500" lnSpcReduction="20000"/>
           </a:bodyPr>
           <a:lstStyle/>
           <a:p>
@@ -4729,6 +4745,48 @@
                 <a:cs typeface="Gabriola"/>
               </a:rPr>
               <a:t> RStudio; </a:t>
+            </a:r>
+            <a:r>
+              <a:rPr lang="en-US" sz="4400" b="1" dirty="0" err="1">
+                <a:latin typeface="Gabriola"/>
+                <a:cs typeface="Gabriola"/>
+              </a:rPr>
+              <a:t>opțiuni</a:t>
+            </a:r>
+            <a:r>
+              <a:rPr lang="en-US" sz="4400" b="1" dirty="0">
+                <a:latin typeface="Gabriola"/>
+                <a:cs typeface="Gabriola"/>
+              </a:rPr>
+              <a:t> </a:t>
+            </a:r>
+            <a:r>
+              <a:rPr lang="en-US" sz="4400" b="1" dirty="0" err="1">
+                <a:latin typeface="Gabriola"/>
+                <a:cs typeface="Gabriola"/>
+              </a:rPr>
+              <a:t>elementare</a:t>
+            </a:r>
+            <a:r>
+              <a:rPr lang="en-US" sz="4400" b="1" dirty="0">
+                <a:latin typeface="Gabriola"/>
+                <a:cs typeface="Gabriola"/>
+              </a:rPr>
+              <a:t> </a:t>
+            </a:r>
+            <a:r>
+              <a:rPr lang="en-US" sz="4400" b="1" dirty="0" err="1">
+                <a:latin typeface="Gabriola"/>
+                <a:cs typeface="Gabriola"/>
+              </a:rPr>
+              <a:t>privind</a:t>
+            </a:r>
+            <a:r>
+              <a:rPr lang="en-US" sz="4400" b="1" dirty="0">
+                <a:latin typeface="Gabriola"/>
+                <a:cs typeface="Gabriola"/>
+              </a:rPr>
+              <a:t> </a:t>
             </a:r>
             <a:r>
               <a:rPr lang="en-US" sz="4400" b="1" dirty="0" err="1">
